--- a/presentation new.pptx
+++ b/presentation new.pptx
@@ -33,7 +33,7 @@
   <p:notesSz cx="6858000" cy="9144000"/>
   <p:embeddedFontLst>
     <p:embeddedFont>
-      <p:font typeface="Roboto Mono" panose="020B0604020202020204" charset="0"/>
+      <p:font typeface="Roboto" panose="020B0604020202020204" charset="0"/>
       <p:regular r:id="rId23"/>
       <p:bold r:id="rId24"/>
       <p:italic r:id="rId25"/>
@@ -44,15 +44,15 @@
       <p:regular r:id="rId27"/>
     </p:embeddedFont>
     <p:embeddedFont>
-      <p:font typeface="Calibri" panose="020F0502020204030204" pitchFamily="34" charset="0"/>
+      <p:font typeface="Abril Fatface" panose="020B0604020202020204" charset="0"/>
       <p:regular r:id="rId28"/>
-      <p:bold r:id="rId29"/>
-      <p:italic r:id="rId30"/>
-      <p:boldItalic r:id="rId31"/>
     </p:embeddedFont>
     <p:embeddedFont>
-      <p:font typeface="Abril Fatface" panose="020B0604020202020204" charset="0"/>
-      <p:regular r:id="rId32"/>
+      <p:font typeface="Calibri" panose="020F0502020204030204" pitchFamily="34" charset="0"/>
+      <p:regular r:id="rId29"/>
+      <p:bold r:id="rId30"/>
+      <p:italic r:id="rId31"/>
+      <p:boldItalic r:id="rId32"/>
     </p:embeddedFont>
     <p:embeddedFont>
       <p:font typeface="Gill Sans MT" panose="020B0502020104020203" pitchFamily="34" charset="0"/>
@@ -62,7 +62,7 @@
       <p:boldItalic r:id="rId36"/>
     </p:embeddedFont>
     <p:embeddedFont>
-      <p:font typeface="Roboto" panose="020B0604020202020204" charset="0"/>
+      <p:font typeface="Roboto Mono" panose="020B0604020202020204" charset="0"/>
       <p:regular r:id="rId37"/>
       <p:bold r:id="rId38"/>
       <p:italic r:id="rId39"/>
@@ -19239,7 +19239,7 @@
           <p:cNvPr id="2" name="Picture 2">
             <a:extLst>
               <a:ext uri="{FF2B5EF4-FFF2-40B4-BE49-F238E27FC236}">
-                <a16:creationId xmlns:a16="http://schemas.microsoft.com/office/drawing/2014/main" xmlns="" id="{26FA8141-E024-43CB-04AB-798D20ADADDB}"/>
+                <a16:creationId xmlns="" xmlns:a16="http://schemas.microsoft.com/office/drawing/2014/main" id="{26FA8141-E024-43CB-04AB-798D20ADADDB}"/>
               </a:ext>
             </a:extLst>
           </p:cNvPr>
@@ -19274,6 +19274,36 @@
               <a:srgbClr val="000000"/>
             </a:innerShdw>
           </a:effectLst>
+        </p:spPr>
+      </p:pic>
+      <p:pic>
+        <p:nvPicPr>
+          <p:cNvPr id="4" name="Picture 3"/>
+          <p:cNvPicPr>
+            <a:picLocks noChangeAspect="1"/>
+          </p:cNvPicPr>
+          <p:nvPr/>
+        </p:nvPicPr>
+        <p:blipFill>
+          <a:blip r:embed="rId3">
+            <a:extLst>
+              <a:ext uri="{28A0092B-C50C-407E-A947-70E740481C1C}">
+                <a14:useLocalDpi xmlns:a14="http://schemas.microsoft.com/office/drawing/2010/main" val="0"/>
+              </a:ext>
+            </a:extLst>
+          </a:blip>
+          <a:stretch>
+            <a:fillRect/>
+          </a:stretch>
+        </p:blipFill>
+        <p:spPr>
+          <a:xfrm>
+            <a:off x="0" y="1"/>
+            <a:ext cx="12191999" cy="6858000"/>
+          </a:xfrm>
+          <a:prstGeom prst="rect">
+            <a:avLst/>
+          </a:prstGeom>
         </p:spPr>
       </p:pic>
     </p:spTree>
@@ -22721,7 +22751,7 @@
           <p:cNvPr id="4" name="Text Placeholder 3">
             <a:extLst>
               <a:ext uri="{FF2B5EF4-FFF2-40B4-BE49-F238E27FC236}">
-                <a16:creationId xmlns:a16="http://schemas.microsoft.com/office/drawing/2014/main" xmlns="" id="{A05DE51A-EE4B-9789-9B6B-D3424DABFEEF}"/>
+                <a16:creationId xmlns="" xmlns:a16="http://schemas.microsoft.com/office/drawing/2014/main" id="{A05DE51A-EE4B-9789-9B6B-D3424DABFEEF}"/>
               </a:ext>
             </a:extLst>
           </p:cNvPr>
